--- a/Serverless.pptx
+++ b/Serverless.pptx
@@ -8,10 +8,12 @@
     <p:sldId id="256" r:id="rId4"/>
     <p:sldId id="257" r:id="rId5"/>
     <p:sldId id="260" r:id="rId6"/>
-    <p:sldId id="259" r:id="rId7"/>
-    <p:sldId id="258" r:id="rId8"/>
-    <p:sldId id="262" r:id="rId9"/>
-    <p:sldId id="261" r:id="rId10"/>
+    <p:sldId id="258" r:id="rId7"/>
+    <p:sldId id="259" r:id="rId8"/>
+    <p:sldId id="263" r:id="rId9"/>
+    <p:sldId id="264" r:id="rId10"/>
+    <p:sldId id="261" r:id="rId11"/>
+    <p:sldId id="262" r:id="rId12"/>
   </p:sldIdLst>
   <p:sldSz cx="12192000" cy="6858000"/>
   <p:notesSz cx="6858000" cy="9144000"/>
@@ -118,10 +120,12 @@
             <p14:sldId id="256"/>
             <p14:sldId id="257"/>
             <p14:sldId id="260"/>
+            <p14:sldId id="258"/>
             <p14:sldId id="259"/>
-            <p14:sldId id="258"/>
+            <p14:sldId id="263"/>
+            <p14:sldId id="264"/>
+            <p14:sldId id="261"/>
             <p14:sldId id="262"/>
-            <p14:sldId id="261"/>
           </p14:sldIdLst>
         </p14:section>
       </p14:sectionLst>
@@ -6658,6 +6662,196 @@
           <p:cNvPr id="2" name="Title 1">
             <a:extLst>
               <a:ext uri="{FF2B5EF4-FFF2-40B4-BE49-F238E27FC236}">
+                <a16:creationId xmlns:a16="http://schemas.microsoft.com/office/drawing/2014/main" id="{DC4CB64F-2840-4C5D-857A-A94339519B4F}"/>
+              </a:ext>
+            </a:extLst>
+          </p:cNvPr>
+          <p:cNvSpPr>
+            <a:spLocks noGrp="1"/>
+          </p:cNvSpPr>
+          <p:nvPr>
+            <p:ph type="title"/>
+          </p:nvPr>
+        </p:nvSpPr>
+        <p:spPr/>
+        <p:txBody>
+          <a:bodyPr/>
+          <a:lstStyle/>
+          <a:p>
+            <a:r>
+              <a:rPr lang="en-US" dirty="0"/>
+              <a:t>Vendors</a:t>
+            </a:r>
+            <a:endParaRPr lang="en-BE" dirty="0"/>
+          </a:p>
+        </p:txBody>
+      </p:sp>
+      <p:sp>
+        <p:nvSpPr>
+          <p:cNvPr id="3" name="Content Placeholder 2">
+            <a:extLst>
+              <a:ext uri="{FF2B5EF4-FFF2-40B4-BE49-F238E27FC236}">
+                <a16:creationId xmlns:a16="http://schemas.microsoft.com/office/drawing/2014/main" id="{9CBEAAB4-835F-4516-B991-781B621B02F5}"/>
+              </a:ext>
+            </a:extLst>
+          </p:cNvPr>
+          <p:cNvSpPr>
+            <a:spLocks noGrp="1"/>
+          </p:cNvSpPr>
+          <p:nvPr>
+            <p:ph idx="1"/>
+          </p:nvPr>
+        </p:nvSpPr>
+        <p:spPr>
+          <a:xfrm>
+            <a:off x="1141413" y="2073441"/>
+            <a:ext cx="9905998" cy="3124201"/>
+          </a:xfrm>
+        </p:spPr>
+        <p:txBody>
+          <a:bodyPr/>
+          <a:lstStyle/>
+          <a:p>
+            <a:r>
+              <a:rPr lang="en-US" b="1" i="0" dirty="0">
+                <a:effectLst/>
+                <a:latin typeface="arial" panose="020B0604020202020204" pitchFamily="34" charset="0"/>
+              </a:rPr>
+              <a:t>AWS Lambda</a:t>
+            </a:r>
+          </a:p>
+          <a:p>
+            <a:r>
+              <a:rPr lang="en-US" b="1" i="0" dirty="0">
+                <a:effectLst/>
+                <a:latin typeface="arial" panose="020B0604020202020204" pitchFamily="34" charset="0"/>
+              </a:rPr>
+              <a:t>Microsoft Azure Functions</a:t>
+            </a:r>
+          </a:p>
+          <a:p>
+            <a:r>
+              <a:rPr lang="en-US" b="1" i="0" dirty="0">
+                <a:effectLst/>
+                <a:latin typeface="arial" panose="020B0604020202020204" pitchFamily="34" charset="0"/>
+              </a:rPr>
+              <a:t>Google/Oracle Cloud Functions</a:t>
+            </a:r>
+          </a:p>
+          <a:p>
+            <a:r>
+              <a:rPr lang="en-US" b="1" i="0" dirty="0">
+                <a:effectLst/>
+                <a:latin typeface="arial" panose="020B0604020202020204" pitchFamily="34" charset="0"/>
+              </a:rPr>
+              <a:t>IBM </a:t>
+            </a:r>
+            <a:r>
+              <a:rPr lang="en-US" b="1" i="0" dirty="0" err="1">
+                <a:effectLst/>
+                <a:latin typeface="arial" panose="020B0604020202020204" pitchFamily="34" charset="0"/>
+              </a:rPr>
+              <a:t>OpenWhisk</a:t>
+            </a:r>
+            <a:endParaRPr lang="en-US" b="1" i="0" dirty="0">
+              <a:effectLst/>
+              <a:latin typeface="arial" panose="020B0604020202020204" pitchFamily="34" charset="0"/>
+            </a:endParaRPr>
+          </a:p>
+          <a:p>
+            <a:r>
+              <a:rPr lang="en-US" b="1" dirty="0" err="1">
+                <a:effectLst/>
+                <a:latin typeface="arial" panose="020B0604020202020204" pitchFamily="34" charset="0"/>
+              </a:rPr>
+              <a:t>CloudFare</a:t>
+            </a:r>
+            <a:r>
+              <a:rPr lang="en-US" b="1" dirty="0">
+                <a:effectLst/>
+                <a:latin typeface="arial" panose="020B0604020202020204" pitchFamily="34" charset="0"/>
+              </a:rPr>
+              <a:t> Workers</a:t>
+            </a:r>
+          </a:p>
+          <a:p>
+            <a:r>
+              <a:rPr lang="en-US" b="1" dirty="0">
+                <a:effectLst/>
+                <a:latin typeface="arial" panose="020B0604020202020204" pitchFamily="34" charset="0"/>
+              </a:rPr>
+              <a:t>Open Source</a:t>
+            </a:r>
+          </a:p>
+          <a:p>
+            <a:pPr lvl="1"/>
+            <a:r>
+              <a:rPr lang="en-US" b="1" dirty="0" err="1">
+                <a:effectLst/>
+                <a:latin typeface="arial" panose="020B0604020202020204" pitchFamily="34" charset="0"/>
+              </a:rPr>
+              <a:t>OpenFaaS</a:t>
+            </a:r>
+            <a:r>
+              <a:rPr lang="en-US" b="1" dirty="0">
+                <a:effectLst/>
+                <a:latin typeface="arial" panose="020B0604020202020204" pitchFamily="34" charset="0"/>
+              </a:rPr>
+              <a:t>, </a:t>
+            </a:r>
+            <a:r>
+              <a:rPr lang="en-US" b="1" dirty="0" err="1">
+                <a:effectLst/>
+                <a:latin typeface="arial" panose="020B0604020202020204" pitchFamily="34" charset="0"/>
+              </a:rPr>
+              <a:t>Knative</a:t>
+            </a:r>
+            <a:r>
+              <a:rPr lang="en-US" b="1" dirty="0">
+                <a:effectLst/>
+                <a:latin typeface="arial" panose="020B0604020202020204" pitchFamily="34" charset="0"/>
+              </a:rPr>
+              <a:t>, Serverless</a:t>
+            </a:r>
+            <a:endParaRPr lang="en-BE" dirty="0"/>
+          </a:p>
+        </p:txBody>
+      </p:sp>
+    </p:spTree>
+    <p:extLst>
+      <p:ext uri="{BB962C8B-B14F-4D97-AF65-F5344CB8AC3E}">
+        <p14:creationId xmlns:p14="http://schemas.microsoft.com/office/powerpoint/2010/main" val="2784227249"/>
+      </p:ext>
+    </p:extLst>
+  </p:cSld>
+  <p:clrMapOvr>
+    <a:masterClrMapping/>
+  </p:clrMapOvr>
+</p:sld>
+</file>
+
+<file path=ppt/slides/slide5.xml><?xml version="1.0" encoding="utf-8"?>
+<p:sld xmlns:a="http://schemas.openxmlformats.org/drawingml/2006/main" xmlns:r="http://schemas.openxmlformats.org/officeDocument/2006/relationships" xmlns:p="http://schemas.openxmlformats.org/presentationml/2006/main">
+  <p:cSld>
+    <p:spTree>
+      <p:nvGrpSpPr>
+        <p:cNvPr id="1" name=""/>
+        <p:cNvGrpSpPr/>
+        <p:nvPr/>
+      </p:nvGrpSpPr>
+      <p:grpSpPr>
+        <a:xfrm>
+          <a:off x="0" y="0"/>
+          <a:ext cx="0" cy="0"/>
+          <a:chOff x="0" y="0"/>
+          <a:chExt cx="0" cy="0"/>
+        </a:xfrm>
+      </p:grpSpPr>
+      <p:sp>
+        <p:nvSpPr>
+          <p:cNvPr id="2" name="Title 1">
+            <a:extLst>
+              <a:ext uri="{FF2B5EF4-FFF2-40B4-BE49-F238E27FC236}">
                 <a16:creationId xmlns:a16="http://schemas.microsoft.com/office/drawing/2014/main" id="{62D84A7E-0500-45BA-A3C5-D590DAED1DE2}"/>
               </a:ext>
             </a:extLst>
@@ -6814,7 +7008,7 @@
                 <a:effectLst/>
                 <a:latin typeface="arial" panose="020B0604020202020204" pitchFamily="34" charset="0"/>
               </a:rPr>
-              <a:t>he developer, the person who deals with the business logic, does not need to be concerned with the server.</a:t>
+              <a:t>he developer deals with the business logic and does not need to be concerned with the server.</a:t>
             </a:r>
             <a:endParaRPr lang="en-BE" dirty="0"/>
           </a:p>
@@ -6897,7 +7091,7 @@
               <a:rPr lang="en-US" b="1" dirty="0">
                 <a:latin typeface="arial" panose="020B0604020202020204" pitchFamily="34" charset="0"/>
               </a:rPr>
-              <a:t> &amp; Debugging &amp; Monitoring</a:t>
+              <a:t>, Debugging &amp; Monitoring</a:t>
             </a:r>
             <a:endParaRPr lang="en-BE" dirty="0"/>
           </a:p>
@@ -7442,196 +7636,406 @@
   <p:clrMapOvr>
     <a:masterClrMapping/>
   </p:clrMapOvr>
-</p:sld>
-</file>
-
-<file path=ppt/slides/slide5.xml><?xml version="1.0" encoding="utf-8"?>
-<p:sld xmlns:a="http://schemas.openxmlformats.org/drawingml/2006/main" xmlns:r="http://schemas.openxmlformats.org/officeDocument/2006/relationships" xmlns:p="http://schemas.openxmlformats.org/presentationml/2006/main">
-  <p:cSld>
-    <p:spTree>
-      <p:nvGrpSpPr>
-        <p:cNvPr id="1" name=""/>
-        <p:cNvGrpSpPr/>
-        <p:nvPr/>
-      </p:nvGrpSpPr>
-      <p:grpSpPr>
-        <a:xfrm>
-          <a:off x="0" y="0"/>
-          <a:ext cx="0" cy="0"/>
-          <a:chOff x="0" y="0"/>
-          <a:chExt cx="0" cy="0"/>
-        </a:xfrm>
-      </p:grpSpPr>
-      <p:sp>
-        <p:nvSpPr>
-          <p:cNvPr id="2" name="Title 1">
-            <a:extLst>
-              <a:ext uri="{FF2B5EF4-FFF2-40B4-BE49-F238E27FC236}">
-                <a16:creationId xmlns:a16="http://schemas.microsoft.com/office/drawing/2014/main" id="{DC4CB64F-2840-4C5D-857A-A94339519B4F}"/>
-              </a:ext>
-            </a:extLst>
-          </p:cNvPr>
-          <p:cNvSpPr>
-            <a:spLocks noGrp="1"/>
-          </p:cNvSpPr>
-          <p:nvPr>
-            <p:ph type="title"/>
-          </p:nvPr>
-        </p:nvSpPr>
-        <p:spPr/>
-        <p:txBody>
-          <a:bodyPr/>
-          <a:lstStyle/>
-          <a:p>
-            <a:r>
-              <a:rPr lang="en-US" dirty="0"/>
-              <a:t>Vendors</a:t>
-            </a:r>
-            <a:endParaRPr lang="en-BE" dirty="0"/>
-          </a:p>
-        </p:txBody>
-      </p:sp>
-      <p:sp>
-        <p:nvSpPr>
-          <p:cNvPr id="3" name="Content Placeholder 2">
-            <a:extLst>
-              <a:ext uri="{FF2B5EF4-FFF2-40B4-BE49-F238E27FC236}">
-                <a16:creationId xmlns:a16="http://schemas.microsoft.com/office/drawing/2014/main" id="{9CBEAAB4-835F-4516-B991-781B621B02F5}"/>
-              </a:ext>
-            </a:extLst>
-          </p:cNvPr>
-          <p:cNvSpPr>
-            <a:spLocks noGrp="1"/>
-          </p:cNvSpPr>
-          <p:nvPr>
-            <p:ph idx="1"/>
-          </p:nvPr>
-        </p:nvSpPr>
-        <p:spPr>
-          <a:xfrm>
-            <a:off x="1141413" y="2073441"/>
-            <a:ext cx="9905998" cy="3124201"/>
-          </a:xfrm>
-        </p:spPr>
-        <p:txBody>
-          <a:bodyPr/>
-          <a:lstStyle/>
-          <a:p>
-            <a:r>
-              <a:rPr lang="en-US" b="1" i="0" dirty="0">
-                <a:effectLst/>
-                <a:latin typeface="arial" panose="020B0604020202020204" pitchFamily="34" charset="0"/>
-              </a:rPr>
-              <a:t>AWS Lambda</a:t>
-            </a:r>
-          </a:p>
-          <a:p>
-            <a:r>
-              <a:rPr lang="en-US" b="1" i="0" dirty="0">
-                <a:effectLst/>
-                <a:latin typeface="arial" panose="020B0604020202020204" pitchFamily="34" charset="0"/>
-              </a:rPr>
-              <a:t>Microsoft Azure Functions</a:t>
-            </a:r>
-          </a:p>
-          <a:p>
-            <a:r>
-              <a:rPr lang="en-US" b="1" i="0" dirty="0">
-                <a:effectLst/>
-                <a:latin typeface="arial" panose="020B0604020202020204" pitchFamily="34" charset="0"/>
-              </a:rPr>
-              <a:t>Google/Oracle Cloud Functions</a:t>
-            </a:r>
-          </a:p>
-          <a:p>
-            <a:r>
-              <a:rPr lang="en-US" b="1" i="0" dirty="0">
-                <a:effectLst/>
-                <a:latin typeface="arial" panose="020B0604020202020204" pitchFamily="34" charset="0"/>
-              </a:rPr>
-              <a:t>IBM </a:t>
-            </a:r>
-            <a:r>
-              <a:rPr lang="en-US" b="1" i="0" dirty="0" err="1">
-                <a:effectLst/>
-                <a:latin typeface="arial" panose="020B0604020202020204" pitchFamily="34" charset="0"/>
-              </a:rPr>
-              <a:t>OpenWhisk</a:t>
-            </a:r>
-            <a:endParaRPr lang="en-US" b="1" i="0" dirty="0">
-              <a:effectLst/>
-              <a:latin typeface="arial" panose="020B0604020202020204" pitchFamily="34" charset="0"/>
-            </a:endParaRPr>
-          </a:p>
-          <a:p>
-            <a:r>
-              <a:rPr lang="en-US" b="1" dirty="0" err="1">
-                <a:effectLst/>
-                <a:latin typeface="arial" panose="020B0604020202020204" pitchFamily="34" charset="0"/>
-              </a:rPr>
-              <a:t>CloudFare</a:t>
-            </a:r>
-            <a:r>
-              <a:rPr lang="en-US" b="1" dirty="0">
-                <a:effectLst/>
-                <a:latin typeface="arial" panose="020B0604020202020204" pitchFamily="34" charset="0"/>
-              </a:rPr>
-              <a:t> Workers</a:t>
-            </a:r>
-          </a:p>
-          <a:p>
-            <a:r>
-              <a:rPr lang="en-US" b="1" dirty="0">
-                <a:effectLst/>
-                <a:latin typeface="arial" panose="020B0604020202020204" pitchFamily="34" charset="0"/>
-              </a:rPr>
-              <a:t>Open Source</a:t>
-            </a:r>
-          </a:p>
-          <a:p>
-            <a:pPr lvl="1"/>
-            <a:r>
-              <a:rPr lang="en-US" b="1" dirty="0" err="1">
-                <a:effectLst/>
-                <a:latin typeface="arial" panose="020B0604020202020204" pitchFamily="34" charset="0"/>
-              </a:rPr>
-              <a:t>OpenFaaS</a:t>
-            </a:r>
-            <a:r>
-              <a:rPr lang="en-US" b="1" dirty="0">
-                <a:effectLst/>
-                <a:latin typeface="arial" panose="020B0604020202020204" pitchFamily="34" charset="0"/>
-              </a:rPr>
-              <a:t>, </a:t>
-            </a:r>
-            <a:r>
-              <a:rPr lang="en-US" b="1" dirty="0" err="1">
-                <a:effectLst/>
-                <a:latin typeface="arial" panose="020B0604020202020204" pitchFamily="34" charset="0"/>
-              </a:rPr>
-              <a:t>Knative</a:t>
-            </a:r>
-            <a:r>
-              <a:rPr lang="en-US" b="1" dirty="0">
-                <a:effectLst/>
-                <a:latin typeface="arial" panose="020B0604020202020204" pitchFamily="34" charset="0"/>
-              </a:rPr>
-              <a:t>, Serverless</a:t>
-            </a:r>
-            <a:endParaRPr lang="en-BE" dirty="0"/>
-          </a:p>
-        </p:txBody>
-      </p:sp>
-    </p:spTree>
-    <p:extLst>
-      <p:ext uri="{BB962C8B-B14F-4D97-AF65-F5344CB8AC3E}">
-        <p14:creationId xmlns:p14="http://schemas.microsoft.com/office/powerpoint/2010/main" val="2784227249"/>
-      </p:ext>
-    </p:extLst>
-  </p:cSld>
-  <p:clrMapOvr>
-    <a:masterClrMapping/>
-  </p:clrMapOvr>
+  <p:timing>
+    <p:tnLst>
+      <p:par>
+        <p:cTn id="1" dur="indefinite" restart="never" nodeType="tmRoot">
+          <p:childTnLst>
+            <p:seq concurrent="1" nextAc="seek">
+              <p:cTn id="2" dur="indefinite" nodeType="mainSeq">
+                <p:childTnLst>
+                  <p:par>
+                    <p:cTn id="3" fill="hold">
+                      <p:stCondLst>
+                        <p:cond delay="indefinite"/>
+                      </p:stCondLst>
+                      <p:childTnLst>
+                        <p:par>
+                          <p:cTn id="4" fill="hold">
+                            <p:stCondLst>
+                              <p:cond delay="0"/>
+                            </p:stCondLst>
+                            <p:childTnLst>
+                              <p:par>
+                                <p:cTn id="5" presetID="1" presetClass="entr" presetSubtype="0" fill="hold" grpId="0" nodeType="clickEffect">
+                                  <p:stCondLst>
+                                    <p:cond delay="0"/>
+                                  </p:stCondLst>
+                                  <p:childTnLst>
+                                    <p:set>
+                                      <p:cBhvr>
+                                        <p:cTn id="6" dur="1" fill="hold">
+                                          <p:stCondLst>
+                                            <p:cond delay="0"/>
+                                          </p:stCondLst>
+                                        </p:cTn>
+                                        <p:tgtEl>
+                                          <p:spTgt spid="6"/>
+                                        </p:tgtEl>
+                                        <p:attrNameLst>
+                                          <p:attrName>style.visibility</p:attrName>
+                                        </p:attrNameLst>
+                                      </p:cBhvr>
+                                      <p:to>
+                                        <p:strVal val="visible"/>
+                                      </p:to>
+                                    </p:set>
+                                  </p:childTnLst>
+                                </p:cTn>
+                              </p:par>
+                            </p:childTnLst>
+                          </p:cTn>
+                        </p:par>
+                      </p:childTnLst>
+                    </p:cTn>
+                  </p:par>
+                  <p:par>
+                    <p:cTn id="7" fill="hold">
+                      <p:stCondLst>
+                        <p:cond delay="indefinite"/>
+                      </p:stCondLst>
+                      <p:childTnLst>
+                        <p:par>
+                          <p:cTn id="8" fill="hold">
+                            <p:stCondLst>
+                              <p:cond delay="0"/>
+                            </p:stCondLst>
+                            <p:childTnLst>
+                              <p:par>
+                                <p:cTn id="9" presetID="1" presetClass="entr" presetSubtype="0" fill="hold" grpId="0" nodeType="clickEffect">
+                                  <p:stCondLst>
+                                    <p:cond delay="0"/>
+                                  </p:stCondLst>
+                                  <p:childTnLst>
+                                    <p:set>
+                                      <p:cBhvr>
+                                        <p:cTn id="10" dur="1" fill="hold">
+                                          <p:stCondLst>
+                                            <p:cond delay="0"/>
+                                          </p:stCondLst>
+                                        </p:cTn>
+                                        <p:tgtEl>
+                                          <p:spTgt spid="8"/>
+                                        </p:tgtEl>
+                                        <p:attrNameLst>
+                                          <p:attrName>style.visibility</p:attrName>
+                                        </p:attrNameLst>
+                                      </p:cBhvr>
+                                      <p:to>
+                                        <p:strVal val="visible"/>
+                                      </p:to>
+                                    </p:set>
+                                  </p:childTnLst>
+                                </p:cTn>
+                              </p:par>
+                            </p:childTnLst>
+                          </p:cTn>
+                        </p:par>
+                      </p:childTnLst>
+                    </p:cTn>
+                  </p:par>
+                  <p:par>
+                    <p:cTn id="11" fill="hold">
+                      <p:stCondLst>
+                        <p:cond delay="indefinite"/>
+                      </p:stCondLst>
+                      <p:childTnLst>
+                        <p:par>
+                          <p:cTn id="12" fill="hold">
+                            <p:stCondLst>
+                              <p:cond delay="0"/>
+                            </p:stCondLst>
+                            <p:childTnLst>
+                              <p:par>
+                                <p:cTn id="13" presetID="1" presetClass="entr" presetSubtype="0" fill="hold" grpId="0" nodeType="clickEffect">
+                                  <p:stCondLst>
+                                    <p:cond delay="0"/>
+                                  </p:stCondLst>
+                                  <p:childTnLst>
+                                    <p:set>
+                                      <p:cBhvr>
+                                        <p:cTn id="14" dur="1" fill="hold">
+                                          <p:stCondLst>
+                                            <p:cond delay="0"/>
+                                          </p:stCondLst>
+                                        </p:cTn>
+                                        <p:tgtEl>
+                                          <p:spTgt spid="13"/>
+                                        </p:tgtEl>
+                                        <p:attrNameLst>
+                                          <p:attrName>style.visibility</p:attrName>
+                                        </p:attrNameLst>
+                                      </p:cBhvr>
+                                      <p:to>
+                                        <p:strVal val="visible"/>
+                                      </p:to>
+                                    </p:set>
+                                  </p:childTnLst>
+                                </p:cTn>
+                              </p:par>
+                            </p:childTnLst>
+                          </p:cTn>
+                        </p:par>
+                      </p:childTnLst>
+                    </p:cTn>
+                  </p:par>
+                  <p:par>
+                    <p:cTn id="15" fill="hold">
+                      <p:stCondLst>
+                        <p:cond delay="indefinite"/>
+                      </p:stCondLst>
+                      <p:childTnLst>
+                        <p:par>
+                          <p:cTn id="16" fill="hold">
+                            <p:stCondLst>
+                              <p:cond delay="0"/>
+                            </p:stCondLst>
+                            <p:childTnLst>
+                              <p:par>
+                                <p:cTn id="17" presetID="1" presetClass="entr" presetSubtype="0" fill="hold" grpId="0" nodeType="clickEffect">
+                                  <p:stCondLst>
+                                    <p:cond delay="0"/>
+                                  </p:stCondLst>
+                                  <p:childTnLst>
+                                    <p:set>
+                                      <p:cBhvr>
+                                        <p:cTn id="18" dur="1" fill="hold">
+                                          <p:stCondLst>
+                                            <p:cond delay="0"/>
+                                          </p:stCondLst>
+                                        </p:cTn>
+                                        <p:tgtEl>
+                                          <p:spTgt spid="11"/>
+                                        </p:tgtEl>
+                                        <p:attrNameLst>
+                                          <p:attrName>style.visibility</p:attrName>
+                                        </p:attrNameLst>
+                                      </p:cBhvr>
+                                      <p:to>
+                                        <p:strVal val="visible"/>
+                                      </p:to>
+                                    </p:set>
+                                  </p:childTnLst>
+                                </p:cTn>
+                              </p:par>
+                            </p:childTnLst>
+                          </p:cTn>
+                        </p:par>
+                      </p:childTnLst>
+                    </p:cTn>
+                  </p:par>
+                  <p:par>
+                    <p:cTn id="19" fill="hold">
+                      <p:stCondLst>
+                        <p:cond delay="indefinite"/>
+                      </p:stCondLst>
+                      <p:childTnLst>
+                        <p:par>
+                          <p:cTn id="20" fill="hold">
+                            <p:stCondLst>
+                              <p:cond delay="0"/>
+                            </p:stCondLst>
+                            <p:childTnLst>
+                              <p:par>
+                                <p:cTn id="21" presetID="1" presetClass="entr" presetSubtype="0" fill="hold" grpId="0" nodeType="clickEffect">
+                                  <p:stCondLst>
+                                    <p:cond delay="0"/>
+                                  </p:stCondLst>
+                                  <p:childTnLst>
+                                    <p:set>
+                                      <p:cBhvr>
+                                        <p:cTn id="22" dur="1" fill="hold">
+                                          <p:stCondLst>
+                                            <p:cond delay="0"/>
+                                          </p:stCondLst>
+                                        </p:cTn>
+                                        <p:tgtEl>
+                                          <p:spTgt spid="10"/>
+                                        </p:tgtEl>
+                                        <p:attrNameLst>
+                                          <p:attrName>style.visibility</p:attrName>
+                                        </p:attrNameLst>
+                                      </p:cBhvr>
+                                      <p:to>
+                                        <p:strVal val="visible"/>
+                                      </p:to>
+                                    </p:set>
+                                  </p:childTnLst>
+                                </p:cTn>
+                              </p:par>
+                            </p:childTnLst>
+                          </p:cTn>
+                        </p:par>
+                      </p:childTnLst>
+                    </p:cTn>
+                  </p:par>
+                  <p:par>
+                    <p:cTn id="23" fill="hold">
+                      <p:stCondLst>
+                        <p:cond delay="indefinite"/>
+                      </p:stCondLst>
+                      <p:childTnLst>
+                        <p:par>
+                          <p:cTn id="24" fill="hold">
+                            <p:stCondLst>
+                              <p:cond delay="0"/>
+                            </p:stCondLst>
+                            <p:childTnLst>
+                              <p:par>
+                                <p:cTn id="25" presetID="1" presetClass="entr" presetSubtype="0" fill="hold" grpId="0" nodeType="clickEffect">
+                                  <p:stCondLst>
+                                    <p:cond delay="0"/>
+                                  </p:stCondLst>
+                                  <p:childTnLst>
+                                    <p:set>
+                                      <p:cBhvr>
+                                        <p:cTn id="26" dur="1" fill="hold">
+                                          <p:stCondLst>
+                                            <p:cond delay="0"/>
+                                          </p:stCondLst>
+                                        </p:cTn>
+                                        <p:tgtEl>
+                                          <p:spTgt spid="12"/>
+                                        </p:tgtEl>
+                                        <p:attrNameLst>
+                                          <p:attrName>style.visibility</p:attrName>
+                                        </p:attrNameLst>
+                                      </p:cBhvr>
+                                      <p:to>
+                                        <p:strVal val="visible"/>
+                                      </p:to>
+                                    </p:set>
+                                  </p:childTnLst>
+                                </p:cTn>
+                              </p:par>
+                            </p:childTnLst>
+                          </p:cTn>
+                        </p:par>
+                      </p:childTnLst>
+                    </p:cTn>
+                  </p:par>
+                  <p:par>
+                    <p:cTn id="27" fill="hold">
+                      <p:stCondLst>
+                        <p:cond delay="indefinite"/>
+                      </p:stCondLst>
+                      <p:childTnLst>
+                        <p:par>
+                          <p:cTn id="28" fill="hold">
+                            <p:stCondLst>
+                              <p:cond delay="0"/>
+                            </p:stCondLst>
+                            <p:childTnLst>
+                              <p:par>
+                                <p:cTn id="29" presetID="1" presetClass="entr" presetSubtype="0" fill="hold" grpId="0" nodeType="clickEffect">
+                                  <p:stCondLst>
+                                    <p:cond delay="0"/>
+                                  </p:stCondLst>
+                                  <p:childTnLst>
+                                    <p:set>
+                                      <p:cBhvr>
+                                        <p:cTn id="30" dur="1" fill="hold">
+                                          <p:stCondLst>
+                                            <p:cond delay="0"/>
+                                          </p:stCondLst>
+                                        </p:cTn>
+                                        <p:tgtEl>
+                                          <p:spTgt spid="14"/>
+                                        </p:tgtEl>
+                                        <p:attrNameLst>
+                                          <p:attrName>style.visibility</p:attrName>
+                                        </p:attrNameLst>
+                                      </p:cBhvr>
+                                      <p:to>
+                                        <p:strVal val="visible"/>
+                                      </p:to>
+                                    </p:set>
+                                  </p:childTnLst>
+                                </p:cTn>
+                              </p:par>
+                            </p:childTnLst>
+                          </p:cTn>
+                        </p:par>
+                      </p:childTnLst>
+                    </p:cTn>
+                  </p:par>
+                  <p:par>
+                    <p:cTn id="31" fill="hold">
+                      <p:stCondLst>
+                        <p:cond delay="indefinite"/>
+                      </p:stCondLst>
+                      <p:childTnLst>
+                        <p:par>
+                          <p:cTn id="32" fill="hold">
+                            <p:stCondLst>
+                              <p:cond delay="0"/>
+                            </p:stCondLst>
+                            <p:childTnLst>
+                              <p:par>
+                                <p:cTn id="33" presetID="1" presetClass="entr" presetSubtype="0" fill="hold" grpId="0" nodeType="clickEffect">
+                                  <p:stCondLst>
+                                    <p:cond delay="0"/>
+                                  </p:stCondLst>
+                                  <p:childTnLst>
+                                    <p:set>
+                                      <p:cBhvr>
+                                        <p:cTn id="34" dur="1" fill="hold">
+                                          <p:stCondLst>
+                                            <p:cond delay="0"/>
+                                          </p:stCondLst>
+                                        </p:cTn>
+                                        <p:tgtEl>
+                                          <p:spTgt spid="15"/>
+                                        </p:tgtEl>
+                                        <p:attrNameLst>
+                                          <p:attrName>style.visibility</p:attrName>
+                                        </p:attrNameLst>
+                                      </p:cBhvr>
+                                      <p:to>
+                                        <p:strVal val="visible"/>
+                                      </p:to>
+                                    </p:set>
+                                  </p:childTnLst>
+                                </p:cTn>
+                              </p:par>
+                            </p:childTnLst>
+                          </p:cTn>
+                        </p:par>
+                      </p:childTnLst>
+                    </p:cTn>
+                  </p:par>
+                </p:childTnLst>
+              </p:cTn>
+              <p:prevCondLst>
+                <p:cond evt="onPrev" delay="0">
+                  <p:tgtEl>
+                    <p:sldTgt/>
+                  </p:tgtEl>
+                </p:cond>
+              </p:prevCondLst>
+              <p:nextCondLst>
+                <p:cond evt="onNext" delay="0">
+                  <p:tgtEl>
+                    <p:sldTgt/>
+                  </p:tgtEl>
+                </p:cond>
+              </p:nextCondLst>
+            </p:seq>
+          </p:childTnLst>
+        </p:cTn>
+      </p:par>
+    </p:tnLst>
+    <p:bldLst>
+      <p:bldP spid="6" grpId="0"/>
+      <p:bldP spid="8" grpId="0"/>
+      <p:bldP spid="10" grpId="0"/>
+      <p:bldP spid="11" grpId="0"/>
+      <p:bldP spid="12" grpId="0"/>
+      <p:bldP spid="13" grpId="0"/>
+      <p:bldP spid="14" grpId="0"/>
+      <p:bldP spid="15" grpId="0"/>
+    </p:bldLst>
+  </p:timing>
 </p:sld>
 </file>
 
@@ -7657,7 +8061,7 @@
           <p:cNvPr id="2" name="Title 1">
             <a:extLst>
               <a:ext uri="{FF2B5EF4-FFF2-40B4-BE49-F238E27FC236}">
-                <a16:creationId xmlns:a16="http://schemas.microsoft.com/office/drawing/2014/main" id="{D2801875-3084-4F77-BB11-CE8D2845DA95}"/>
+                <a16:creationId xmlns:a16="http://schemas.microsoft.com/office/drawing/2014/main" id="{48E78E40-BDB0-41EA-94D8-9ACCDD56F8CA}"/>
               </a:ext>
             </a:extLst>
           </p:cNvPr>
@@ -7668,14 +8072,19 @@
             <p:ph type="title"/>
           </p:nvPr>
         </p:nvSpPr>
-        <p:spPr/>
+        <p:spPr>
+          <a:xfrm>
+            <a:off x="990601" y="355600"/>
+            <a:ext cx="9905998" cy="914400"/>
+          </a:xfrm>
+        </p:spPr>
         <p:txBody>
           <a:bodyPr/>
           <a:lstStyle/>
           <a:p>
             <a:r>
-              <a:rPr lang="en-US" dirty="0"/>
-              <a:t>Amazon AWS Lambda</a:t>
+              <a:rPr lang="en-US" dirty="0" err="1"/>
+              <a:t>UseCase</a:t>
             </a:r>
             <a:endParaRPr lang="en-BE" dirty="0"/>
           </a:p>
@@ -7683,44 +8092,180 @@
       </p:sp>
       <p:sp>
         <p:nvSpPr>
-          <p:cNvPr id="3" name="Content Placeholder 2">
+          <p:cNvPr id="4" name="AutoShape 2">
             <a:extLst>
               <a:ext uri="{FF2B5EF4-FFF2-40B4-BE49-F238E27FC236}">
-                <a16:creationId xmlns:a16="http://schemas.microsoft.com/office/drawing/2014/main" id="{95123BB2-676D-4E57-BB0E-02836B153153}"/>
+                <a16:creationId xmlns:a16="http://schemas.microsoft.com/office/drawing/2014/main" id="{6FAF67BB-02AF-4576-B880-E2F67B32FBD0}"/>
               </a:ext>
             </a:extLst>
           </p:cNvPr>
           <p:cNvSpPr>
-            <a:spLocks noGrp="1"/>
-          </p:cNvSpPr>
-          <p:nvPr>
-            <p:ph idx="1"/>
-          </p:nvPr>
-        </p:nvSpPr>
-        <p:spPr/>
-        <p:txBody>
-          <a:bodyPr/>
+            <a:spLocks noChangeAspect="1" noChangeArrowheads="1"/>
+          </p:cNvSpPr>
+          <p:nvPr/>
+        </p:nvSpPr>
+        <p:spPr bwMode="auto">
+          <a:xfrm>
+            <a:off x="5943600" y="3276600"/>
+            <a:ext cx="304800" cy="304800"/>
+          </a:xfrm>
+          <a:prstGeom prst="rect">
+            <a:avLst/>
+          </a:prstGeom>
+          <a:noFill/>
+          <a:extLst>
+            <a:ext uri="{909E8E84-426E-40DD-AFC4-6F175D3DCCD1}">
+              <a14:hiddenFill xmlns:a14="http://schemas.microsoft.com/office/drawing/2010/main">
+                <a:solidFill>
+                  <a:srgbClr val="FFFFFF"/>
+                </a:solidFill>
+              </a14:hiddenFill>
+            </a:ext>
+          </a:extLst>
+        </p:spPr>
+        <p:txBody>
+          <a:bodyPr vert="horz" wrap="square" lIns="91440" tIns="45720" rIns="91440" bIns="45720" numCol="1" anchor="t" anchorCtr="0" compatLnSpc="1">
+            <a:prstTxWarp prst="textNoShape">
+              <a:avLst/>
+            </a:prstTxWarp>
+          </a:bodyPr>
           <a:lstStyle/>
           <a:p>
-            <a:r>
-              <a:rPr lang="en-US"/>
-              <a:t>Written in NodeJS</a:t>
-            </a:r>
-            <a:r>
-              <a:rPr lang="en-US" dirty="0"/>
-              <a:t>, Go, Python, C#</a:t>
-            </a:r>
-          </a:p>
-          <a:p>
-            <a:r>
-              <a:rPr lang="en-US" dirty="0"/>
-              <a:t>Define a Gateway API</a:t>
-            </a:r>
-          </a:p>
-          <a:p>
-            <a:r>
-              <a:rPr lang="en-US" dirty="0"/>
-              <a:t>Monitoring with CloudWatch</a:t>
+            <a:endParaRPr lang="en-BE"/>
+          </a:p>
+        </p:txBody>
+      </p:sp>
+      <p:pic>
+        <p:nvPicPr>
+          <p:cNvPr id="6" name="Picture 5">
+            <a:extLst>
+              <a:ext uri="{FF2B5EF4-FFF2-40B4-BE49-F238E27FC236}">
+                <a16:creationId xmlns:a16="http://schemas.microsoft.com/office/drawing/2014/main" id="{72B484E0-1061-409D-9A3B-35493827BDF1}"/>
+              </a:ext>
+            </a:extLst>
+          </p:cNvPr>
+          <p:cNvPicPr>
+            <a:picLocks noChangeAspect="1"/>
+          </p:cNvPicPr>
+          <p:nvPr/>
+        </p:nvPicPr>
+        <p:blipFill>
+          <a:blip r:embed="rId2"/>
+          <a:stretch>
+            <a:fillRect/>
+          </a:stretch>
+        </p:blipFill>
+        <p:spPr>
+          <a:xfrm>
+            <a:off x="836612" y="1524000"/>
+            <a:ext cx="9634301" cy="1905000"/>
+          </a:xfrm>
+          <a:prstGeom prst="rect">
+            <a:avLst/>
+          </a:prstGeom>
+        </p:spPr>
+      </p:pic>
+      <p:sp>
+        <p:nvSpPr>
+          <p:cNvPr id="7" name="TextBox 6">
+            <a:extLst>
+              <a:ext uri="{FF2B5EF4-FFF2-40B4-BE49-F238E27FC236}">
+                <a16:creationId xmlns:a16="http://schemas.microsoft.com/office/drawing/2014/main" id="{0D02422E-A8DB-45ED-844F-32AA29969BF7}"/>
+              </a:ext>
+            </a:extLst>
+          </p:cNvPr>
+          <p:cNvSpPr txBox="1"/>
+          <p:nvPr/>
+        </p:nvSpPr>
+        <p:spPr>
+          <a:xfrm>
+            <a:off x="836612" y="1085334"/>
+            <a:ext cx="8125117" cy="369332"/>
+          </a:xfrm>
+          <a:prstGeom prst="rect">
+            <a:avLst/>
+          </a:prstGeom>
+          <a:noFill/>
+        </p:spPr>
+        <p:txBody>
+          <a:bodyPr wrap="square">
+            <a:spAutoFit/>
+          </a:bodyPr>
+          <a:lstStyle/>
+          <a:p>
+            <a:r>
+              <a:rPr lang="en-US" b="1" dirty="0">
+                <a:latin typeface="arial" panose="020B0604020202020204" pitchFamily="34" charset="0"/>
+              </a:rPr>
+              <a:t>Traditional – long running process</a:t>
+            </a:r>
+            <a:endParaRPr lang="en-BE" dirty="0"/>
+          </a:p>
+        </p:txBody>
+      </p:sp>
+      <p:pic>
+        <p:nvPicPr>
+          <p:cNvPr id="9" name="Picture 8">
+            <a:extLst>
+              <a:ext uri="{FF2B5EF4-FFF2-40B4-BE49-F238E27FC236}">
+                <a16:creationId xmlns:a16="http://schemas.microsoft.com/office/drawing/2014/main" id="{6FE38F2B-BC1B-498B-90D0-D6451D2A0B5D}"/>
+              </a:ext>
+            </a:extLst>
+          </p:cNvPr>
+          <p:cNvPicPr>
+            <a:picLocks noChangeAspect="1"/>
+          </p:cNvPicPr>
+          <p:nvPr/>
+        </p:nvPicPr>
+        <p:blipFill>
+          <a:blip r:embed="rId3"/>
+          <a:stretch>
+            <a:fillRect/>
+          </a:stretch>
+        </p:blipFill>
+        <p:spPr>
+          <a:xfrm>
+            <a:off x="836612" y="4492694"/>
+            <a:ext cx="9634301" cy="1904999"/>
+          </a:xfrm>
+          <a:prstGeom prst="rect">
+            <a:avLst/>
+          </a:prstGeom>
+        </p:spPr>
+      </p:pic>
+      <p:sp>
+        <p:nvSpPr>
+          <p:cNvPr id="10" name="TextBox 9">
+            <a:extLst>
+              <a:ext uri="{FF2B5EF4-FFF2-40B4-BE49-F238E27FC236}">
+                <a16:creationId xmlns:a16="http://schemas.microsoft.com/office/drawing/2014/main" id="{2D468204-1A45-4127-86AC-5167C375FBD2}"/>
+              </a:ext>
+            </a:extLst>
+          </p:cNvPr>
+          <p:cNvSpPr txBox="1"/>
+          <p:nvPr/>
+        </p:nvSpPr>
+        <p:spPr>
+          <a:xfrm>
+            <a:off x="836611" y="3970962"/>
+            <a:ext cx="8125117" cy="369332"/>
+          </a:xfrm>
+          <a:prstGeom prst="rect">
+            <a:avLst/>
+          </a:prstGeom>
+          <a:noFill/>
+        </p:spPr>
+        <p:txBody>
+          <a:bodyPr wrap="square">
+            <a:spAutoFit/>
+          </a:bodyPr>
+          <a:lstStyle/>
+          <a:p>
+            <a:r>
+              <a:rPr lang="en-US" b="1" dirty="0">
+                <a:latin typeface="arial" panose="020B0604020202020204" pitchFamily="34" charset="0"/>
+              </a:rPr>
+              <a:t>Serverless</a:t>
             </a:r>
             <a:endParaRPr lang="en-BE" dirty="0"/>
           </a:p>
@@ -7729,13 +8274,118 @@
     </p:spTree>
     <p:extLst>
       <p:ext uri="{BB962C8B-B14F-4D97-AF65-F5344CB8AC3E}">
-        <p14:creationId xmlns:p14="http://schemas.microsoft.com/office/powerpoint/2010/main" val="247445402"/>
+        <p14:creationId xmlns:p14="http://schemas.microsoft.com/office/powerpoint/2010/main" val="1336349887"/>
       </p:ext>
     </p:extLst>
   </p:cSld>
   <p:clrMapOvr>
     <a:masterClrMapping/>
   </p:clrMapOvr>
+  <p:timing>
+    <p:tnLst>
+      <p:par>
+        <p:cTn id="1" dur="indefinite" restart="never" nodeType="tmRoot">
+          <p:childTnLst>
+            <p:seq concurrent="1" nextAc="seek">
+              <p:cTn id="2" dur="indefinite" nodeType="mainSeq">
+                <p:childTnLst>
+                  <p:par>
+                    <p:cTn id="3" fill="hold">
+                      <p:stCondLst>
+                        <p:cond delay="indefinite"/>
+                      </p:stCondLst>
+                      <p:childTnLst>
+                        <p:par>
+                          <p:cTn id="4" fill="hold">
+                            <p:stCondLst>
+                              <p:cond delay="0"/>
+                            </p:stCondLst>
+                            <p:childTnLst>
+                              <p:par>
+                                <p:cTn id="5" presetID="1" presetClass="entr" presetSubtype="0" fill="hold" grpId="0" nodeType="clickEffect">
+                                  <p:stCondLst>
+                                    <p:cond delay="0"/>
+                                  </p:stCondLst>
+                                  <p:childTnLst>
+                                    <p:set>
+                                      <p:cBhvr>
+                                        <p:cTn id="6" dur="1" fill="hold">
+                                          <p:stCondLst>
+                                            <p:cond delay="0"/>
+                                          </p:stCondLst>
+                                        </p:cTn>
+                                        <p:tgtEl>
+                                          <p:spTgt spid="10"/>
+                                        </p:tgtEl>
+                                        <p:attrNameLst>
+                                          <p:attrName>style.visibility</p:attrName>
+                                        </p:attrNameLst>
+                                      </p:cBhvr>
+                                      <p:to>
+                                        <p:strVal val="visible"/>
+                                      </p:to>
+                                    </p:set>
+                                  </p:childTnLst>
+                                </p:cTn>
+                              </p:par>
+                              <p:par>
+                                <p:cTn id="7" presetID="1" presetClass="entr" presetSubtype="0" fill="hold" nodeType="withEffect">
+                                  <p:stCondLst>
+                                    <p:cond delay="0"/>
+                                  </p:stCondLst>
+                                  <p:childTnLst>
+                                    <p:set>
+                                      <p:cBhvr>
+                                        <p:cTn id="8" dur="1" fill="hold">
+                                          <p:stCondLst>
+                                            <p:cond delay="0"/>
+                                          </p:stCondLst>
+                                        </p:cTn>
+                                        <p:tgtEl>
+                                          <p:spTgt spid="9"/>
+                                        </p:tgtEl>
+                                        <p:attrNameLst>
+                                          <p:attrName>style.visibility</p:attrName>
+                                        </p:attrNameLst>
+                                      </p:cBhvr>
+                                      <p:to>
+                                        <p:strVal val="visible"/>
+                                      </p:to>
+                                    </p:set>
+                                  </p:childTnLst>
+                                </p:cTn>
+                              </p:par>
+                            </p:childTnLst>
+                          </p:cTn>
+                        </p:par>
+                      </p:childTnLst>
+                    </p:cTn>
+                  </p:par>
+                </p:childTnLst>
+              </p:cTn>
+              <p:prevCondLst>
+                <p:cond evt="onPrev" delay="0">
+                  <p:tgtEl>
+                    <p:sldTgt/>
+                  </p:tgtEl>
+                </p:cond>
+              </p:prevCondLst>
+              <p:nextCondLst>
+                <p:cond evt="onNext" delay="0">
+                  <p:tgtEl>
+                    <p:sldTgt/>
+                  </p:tgtEl>
+                </p:cond>
+              </p:nextCondLst>
+            </p:seq>
+          </p:childTnLst>
+        </p:cTn>
+      </p:par>
+    </p:tnLst>
+    <p:bldLst>
+      <p:bldP spid="10" grpId="0"/>
+    </p:bldLst>
+  </p:timing>
 </p:sld>
 </file>
 
@@ -7761,6 +8411,127 @@
           <p:cNvPr id="2" name="Title 1">
             <a:extLst>
               <a:ext uri="{FF2B5EF4-FFF2-40B4-BE49-F238E27FC236}">
+                <a16:creationId xmlns:a16="http://schemas.microsoft.com/office/drawing/2014/main" id="{C43EC49A-183E-4A2C-ABC1-C64D9276D9AE}"/>
+              </a:ext>
+            </a:extLst>
+          </p:cNvPr>
+          <p:cNvSpPr>
+            <a:spLocks noGrp="1"/>
+          </p:cNvSpPr>
+          <p:nvPr>
+            <p:ph type="title"/>
+          </p:nvPr>
+        </p:nvSpPr>
+        <p:spPr/>
+        <p:txBody>
+          <a:bodyPr/>
+          <a:lstStyle/>
+          <a:p>
+            <a:r>
+              <a:rPr lang="en-US" dirty="0"/>
+              <a:t>Use Case</a:t>
+            </a:r>
+            <a:endParaRPr lang="en-BE" dirty="0"/>
+          </a:p>
+        </p:txBody>
+      </p:sp>
+      <p:sp>
+        <p:nvSpPr>
+          <p:cNvPr id="3" name="Content Placeholder 2">
+            <a:extLst>
+              <a:ext uri="{FF2B5EF4-FFF2-40B4-BE49-F238E27FC236}">
+                <a16:creationId xmlns:a16="http://schemas.microsoft.com/office/drawing/2014/main" id="{95F2FAB7-1462-4AA4-A0B9-12A77E8FBEAB}"/>
+              </a:ext>
+            </a:extLst>
+          </p:cNvPr>
+          <p:cNvSpPr>
+            <a:spLocks noGrp="1"/>
+          </p:cNvSpPr>
+          <p:nvPr>
+            <p:ph idx="1"/>
+          </p:nvPr>
+        </p:nvSpPr>
+        <p:spPr>
+          <a:xfrm>
+            <a:off x="1141413" y="2031023"/>
+            <a:ext cx="9905998" cy="3760177"/>
+          </a:xfrm>
+        </p:spPr>
+        <p:txBody>
+          <a:bodyPr/>
+          <a:lstStyle/>
+          <a:p>
+            <a:r>
+              <a:rPr lang="en-US" dirty="0" err="1"/>
+              <a:t>Itenium</a:t>
+            </a:r>
+            <a:r>
+              <a:rPr lang="en-US" dirty="0"/>
+              <a:t> “Contact Us” page</a:t>
+            </a:r>
+          </a:p>
+          <a:p>
+            <a:r>
+              <a:rPr lang="en-US" dirty="0" err="1"/>
+              <a:t>Itenium</a:t>
+            </a:r>
+            <a:r>
+              <a:rPr lang="en-US" dirty="0"/>
+              <a:t> Blog</a:t>
+            </a:r>
+          </a:p>
+          <a:p>
+            <a:pPr lvl="1"/>
+            <a:r>
+              <a:rPr lang="en-US" dirty="0"/>
+              <a:t>Like a blog post</a:t>
+            </a:r>
+          </a:p>
+          <a:p>
+            <a:pPr lvl="1"/>
+            <a:r>
+              <a:rPr lang="en-US" dirty="0"/>
+              <a:t>Add comments to a blog post</a:t>
+            </a:r>
+            <a:endParaRPr lang="en-BE" dirty="0"/>
+          </a:p>
+        </p:txBody>
+      </p:sp>
+    </p:spTree>
+    <p:extLst>
+      <p:ext uri="{BB962C8B-B14F-4D97-AF65-F5344CB8AC3E}">
+        <p14:creationId xmlns:p14="http://schemas.microsoft.com/office/powerpoint/2010/main" val="1883567269"/>
+      </p:ext>
+    </p:extLst>
+  </p:cSld>
+  <p:clrMapOvr>
+    <a:masterClrMapping/>
+  </p:clrMapOvr>
+</p:sld>
+</file>
+
+<file path=ppt/slides/slide8.xml><?xml version="1.0" encoding="utf-8"?>
+<p:sld xmlns:a="http://schemas.openxmlformats.org/drawingml/2006/main" xmlns:r="http://schemas.openxmlformats.org/officeDocument/2006/relationships" xmlns:p="http://schemas.openxmlformats.org/presentationml/2006/main">
+  <p:cSld>
+    <p:spTree>
+      <p:nvGrpSpPr>
+        <p:cNvPr id="1" name=""/>
+        <p:cNvGrpSpPr/>
+        <p:nvPr/>
+      </p:nvGrpSpPr>
+      <p:grpSpPr>
+        <a:xfrm>
+          <a:off x="0" y="0"/>
+          <a:ext cx="0" cy="0"/>
+          <a:chOff x="0" y="0"/>
+          <a:chExt cx="0" cy="0"/>
+        </a:xfrm>
+      </p:grpSpPr>
+      <p:sp>
+        <p:nvSpPr>
+          <p:cNvPr id="2" name="Title 1">
+            <a:extLst>
+              <a:ext uri="{FF2B5EF4-FFF2-40B4-BE49-F238E27FC236}">
                 <a16:creationId xmlns:a16="http://schemas.microsoft.com/office/drawing/2014/main" id="{87A117F3-F9BE-4D5F-9E48-9EEAAE6506ED}"/>
               </a:ext>
             </a:extLst>
@@ -7801,7 +8572,12 @@
             <p:ph idx="1"/>
           </p:nvPr>
         </p:nvSpPr>
-        <p:spPr/>
+        <p:spPr>
+          <a:xfrm>
+            <a:off x="1141413" y="1866899"/>
+            <a:ext cx="9905998" cy="2235201"/>
+          </a:xfrm>
+        </p:spPr>
         <p:txBody>
           <a:bodyPr/>
           <a:lstStyle/>
@@ -7868,6 +8644,106 @@
     <p:extLst>
       <p:ext uri="{BB962C8B-B14F-4D97-AF65-F5344CB8AC3E}">
         <p14:creationId xmlns:p14="http://schemas.microsoft.com/office/powerpoint/2010/main" val="4243941048"/>
+      </p:ext>
+    </p:extLst>
+  </p:cSld>
+  <p:clrMapOvr>
+    <a:masterClrMapping/>
+  </p:clrMapOvr>
+</p:sld>
+</file>
+
+<file path=ppt/slides/slide9.xml><?xml version="1.0" encoding="utf-8"?>
+<p:sld xmlns:a="http://schemas.openxmlformats.org/drawingml/2006/main" xmlns:r="http://schemas.openxmlformats.org/officeDocument/2006/relationships" xmlns:p="http://schemas.openxmlformats.org/presentationml/2006/main" show="0">
+  <p:cSld>
+    <p:spTree>
+      <p:nvGrpSpPr>
+        <p:cNvPr id="1" name=""/>
+        <p:cNvGrpSpPr/>
+        <p:nvPr/>
+      </p:nvGrpSpPr>
+      <p:grpSpPr>
+        <a:xfrm>
+          <a:off x="0" y="0"/>
+          <a:ext cx="0" cy="0"/>
+          <a:chOff x="0" y="0"/>
+          <a:chExt cx="0" cy="0"/>
+        </a:xfrm>
+      </p:grpSpPr>
+      <p:sp>
+        <p:nvSpPr>
+          <p:cNvPr id="2" name="Title 1">
+            <a:extLst>
+              <a:ext uri="{FF2B5EF4-FFF2-40B4-BE49-F238E27FC236}">
+                <a16:creationId xmlns:a16="http://schemas.microsoft.com/office/drawing/2014/main" id="{D2801875-3084-4F77-BB11-CE8D2845DA95}"/>
+              </a:ext>
+            </a:extLst>
+          </p:cNvPr>
+          <p:cNvSpPr>
+            <a:spLocks noGrp="1"/>
+          </p:cNvSpPr>
+          <p:nvPr>
+            <p:ph type="title"/>
+          </p:nvPr>
+        </p:nvSpPr>
+        <p:spPr/>
+        <p:txBody>
+          <a:bodyPr/>
+          <a:lstStyle/>
+          <a:p>
+            <a:r>
+              <a:rPr lang="en-US" dirty="0"/>
+              <a:t>Amazon AWS Lambda</a:t>
+            </a:r>
+            <a:endParaRPr lang="en-BE" dirty="0"/>
+          </a:p>
+        </p:txBody>
+      </p:sp>
+      <p:sp>
+        <p:nvSpPr>
+          <p:cNvPr id="3" name="Content Placeholder 2">
+            <a:extLst>
+              <a:ext uri="{FF2B5EF4-FFF2-40B4-BE49-F238E27FC236}">
+                <a16:creationId xmlns:a16="http://schemas.microsoft.com/office/drawing/2014/main" id="{95123BB2-676D-4E57-BB0E-02836B153153}"/>
+              </a:ext>
+            </a:extLst>
+          </p:cNvPr>
+          <p:cNvSpPr>
+            <a:spLocks noGrp="1"/>
+          </p:cNvSpPr>
+          <p:nvPr>
+            <p:ph idx="1"/>
+          </p:nvPr>
+        </p:nvSpPr>
+        <p:spPr/>
+        <p:txBody>
+          <a:bodyPr/>
+          <a:lstStyle/>
+          <a:p>
+            <a:r>
+              <a:rPr lang="en-US" dirty="0"/>
+              <a:t>Written in NodeJS, Go, Python, C#</a:t>
+            </a:r>
+          </a:p>
+          <a:p>
+            <a:r>
+              <a:rPr lang="en-US" dirty="0"/>
+              <a:t>Define a Gateway API</a:t>
+            </a:r>
+          </a:p>
+          <a:p>
+            <a:r>
+              <a:rPr lang="en-US" dirty="0"/>
+              <a:t>Monitoring with CloudWatch</a:t>
+            </a:r>
+            <a:endParaRPr lang="en-BE" dirty="0"/>
+          </a:p>
+        </p:txBody>
+      </p:sp>
+    </p:spTree>
+    <p:extLst>
+      <p:ext uri="{BB962C8B-B14F-4D97-AF65-F5344CB8AC3E}">
+        <p14:creationId xmlns:p14="http://schemas.microsoft.com/office/powerpoint/2010/main" val="247445402"/>
       </p:ext>
     </p:extLst>
   </p:cSld>
